--- a/Facebook/banner-1.pptx
+++ b/Facebook/banner-1.pptx
@@ -6,6 +6,7 @@
   </p:sldMasterIdLst>
   <p:sldIdLst>
     <p:sldId id="256" r:id="rId2"/>
+    <p:sldId id="257" r:id="rId3"/>
   </p:sldIdLst>
   <p:sldSz cx="7886700" cy="3000375"/>
   <p:notesSz cx="6858000" cy="9144000"/>
@@ -243,7 +244,7 @@
           <a:p>
             <a:fld id="{43988FF1-A2C6-4A67-BB03-7F646E148248}" type="datetimeFigureOut">
               <a:rPr lang="en-US" smtClean="0"/>
-              <a:t>9/9/2018</a:t>
+              <a:t>9/26/2018</a:t>
             </a:fld>
             <a:endParaRPr lang="en-US"/>
           </a:p>
@@ -413,7 +414,7 @@
           <a:p>
             <a:fld id="{43988FF1-A2C6-4A67-BB03-7F646E148248}" type="datetimeFigureOut">
               <a:rPr lang="en-US" smtClean="0"/>
-              <a:t>9/9/2018</a:t>
+              <a:t>9/26/2018</a:t>
             </a:fld>
             <a:endParaRPr lang="en-US"/>
           </a:p>
@@ -593,7 +594,7 @@
           <a:p>
             <a:fld id="{43988FF1-A2C6-4A67-BB03-7F646E148248}" type="datetimeFigureOut">
               <a:rPr lang="en-US" smtClean="0"/>
-              <a:t>9/9/2018</a:t>
+              <a:t>9/26/2018</a:t>
             </a:fld>
             <a:endParaRPr lang="en-US"/>
           </a:p>
@@ -763,7 +764,7 @@
           <a:p>
             <a:fld id="{43988FF1-A2C6-4A67-BB03-7F646E148248}" type="datetimeFigureOut">
               <a:rPr lang="en-US" smtClean="0"/>
-              <a:t>9/9/2018</a:t>
+              <a:t>9/26/2018</a:t>
             </a:fld>
             <a:endParaRPr lang="en-US"/>
           </a:p>
@@ -1009,7 +1010,7 @@
           <a:p>
             <a:fld id="{43988FF1-A2C6-4A67-BB03-7F646E148248}" type="datetimeFigureOut">
               <a:rPr lang="en-US" smtClean="0"/>
-              <a:t>9/9/2018</a:t>
+              <a:t>9/26/2018</a:t>
             </a:fld>
             <a:endParaRPr lang="en-US"/>
           </a:p>
@@ -1241,7 +1242,7 @@
           <a:p>
             <a:fld id="{43988FF1-A2C6-4A67-BB03-7F646E148248}" type="datetimeFigureOut">
               <a:rPr lang="en-US" smtClean="0"/>
-              <a:t>9/9/2018</a:t>
+              <a:t>9/26/2018</a:t>
             </a:fld>
             <a:endParaRPr lang="en-US"/>
           </a:p>
@@ -1608,7 +1609,7 @@
           <a:p>
             <a:fld id="{43988FF1-A2C6-4A67-BB03-7F646E148248}" type="datetimeFigureOut">
               <a:rPr lang="en-US" smtClean="0"/>
-              <a:t>9/9/2018</a:t>
+              <a:t>9/26/2018</a:t>
             </a:fld>
             <a:endParaRPr lang="en-US"/>
           </a:p>
@@ -1726,7 +1727,7 @@
           <a:p>
             <a:fld id="{43988FF1-A2C6-4A67-BB03-7F646E148248}" type="datetimeFigureOut">
               <a:rPr lang="en-US" smtClean="0"/>
-              <a:t>9/9/2018</a:t>
+              <a:t>9/26/2018</a:t>
             </a:fld>
             <a:endParaRPr lang="en-US"/>
           </a:p>
@@ -1821,7 +1822,7 @@
           <a:p>
             <a:fld id="{43988FF1-A2C6-4A67-BB03-7F646E148248}" type="datetimeFigureOut">
               <a:rPr lang="en-US" smtClean="0"/>
-              <a:t>9/9/2018</a:t>
+              <a:t>9/26/2018</a:t>
             </a:fld>
             <a:endParaRPr lang="en-US"/>
           </a:p>
@@ -2098,7 +2099,7 @@
           <a:p>
             <a:fld id="{43988FF1-A2C6-4A67-BB03-7F646E148248}" type="datetimeFigureOut">
               <a:rPr lang="en-US" smtClean="0"/>
-              <a:t>9/9/2018</a:t>
+              <a:t>9/26/2018</a:t>
             </a:fld>
             <a:endParaRPr lang="en-US"/>
           </a:p>
@@ -2355,7 +2356,7 @@
           <a:p>
             <a:fld id="{43988FF1-A2C6-4A67-BB03-7F646E148248}" type="datetimeFigureOut">
               <a:rPr lang="en-US" smtClean="0"/>
-              <a:t>9/9/2018</a:t>
+              <a:t>9/26/2018</a:t>
             </a:fld>
             <a:endParaRPr lang="en-US"/>
           </a:p>
@@ -2568,7 +2569,7 @@
           <a:p>
             <a:fld id="{43988FF1-A2C6-4A67-BB03-7F646E148248}" type="datetimeFigureOut">
               <a:rPr lang="en-US" smtClean="0"/>
-              <a:t>9/9/2018</a:t>
+              <a:t>9/26/2018</a:t>
             </a:fld>
             <a:endParaRPr lang="en-US"/>
           </a:p>
@@ -4732,6 +4733,1750 @@
 </p:sld>
 </file>
 
+<file path=ppt/slides/slide2.xml><?xml version="1.0" encoding="utf-8"?>
+<p:sld xmlns:a="http://schemas.openxmlformats.org/drawingml/2006/main" xmlns:r="http://schemas.openxmlformats.org/officeDocument/2006/relationships" xmlns:p="http://schemas.openxmlformats.org/presentationml/2006/main">
+  <p:cSld>
+    <p:bg>
+      <p:bgPr>
+        <a:solidFill>
+          <a:schemeClr val="accent1">
+            <a:lumMod val="75000"/>
+            <a:alpha val="64000"/>
+          </a:schemeClr>
+        </a:solidFill>
+        <a:effectLst/>
+      </p:bgPr>
+    </p:bg>
+    <p:spTree>
+      <p:nvGrpSpPr>
+        <p:cNvPr id="1" name=""/>
+        <p:cNvGrpSpPr/>
+        <p:nvPr/>
+      </p:nvGrpSpPr>
+      <p:grpSpPr>
+        <a:xfrm>
+          <a:off x="0" y="0"/>
+          <a:ext cx="0" cy="0"/>
+          <a:chOff x="0" y="0"/>
+          <a:chExt cx="0" cy="0"/>
+        </a:xfrm>
+      </p:grpSpPr>
+      <p:pic>
+        <p:nvPicPr>
+          <p:cNvPr id="4" name="Picture 3"/>
+          <p:cNvPicPr>
+            <a:picLocks noChangeAspect="1"/>
+          </p:cNvPicPr>
+          <p:nvPr/>
+        </p:nvPicPr>
+        <p:blipFill>
+          <a:blip r:embed="rId2">
+            <a:extLst>
+              <a:ext uri="{BEBA8EAE-BF5A-486C-A8C5-ECC9F3942E4B}">
+                <a14:imgProps xmlns:a14="http://schemas.microsoft.com/office/drawing/2010/main">
+                  <a14:imgLayer r:embed="rId3">
+                    <a14:imgEffect>
+                      <a14:brightnessContrast bright="20000" contrast="-40000"/>
+                    </a14:imgEffect>
+                  </a14:imgLayer>
+                </a14:imgProps>
+              </a:ext>
+              <a:ext uri="{28A0092B-C50C-407E-A947-70E740481C1C}">
+                <a14:useLocalDpi xmlns:a14="http://schemas.microsoft.com/office/drawing/2010/main" val="0"/>
+              </a:ext>
+            </a:extLst>
+          </a:blip>
+          <a:stretch>
+            <a:fillRect/>
+          </a:stretch>
+        </p:blipFill>
+        <p:spPr>
+          <a:xfrm>
+            <a:off x="0" y="-1"/>
+            <a:ext cx="2952000" cy="3000375"/>
+          </a:xfrm>
+          <a:prstGeom prst="rect">
+            <a:avLst/>
+          </a:prstGeom>
+          <a:ln>
+            <a:noFill/>
+          </a:ln>
+          <a:effectLst>
+            <a:outerShdw blurRad="50800" dist="50800" dir="5400000" algn="ctr" rotWithShape="0">
+              <a:srgbClr val="000000">
+                <a:alpha val="0"/>
+              </a:srgbClr>
+            </a:outerShdw>
+          </a:effectLst>
+        </p:spPr>
+      </p:pic>
+      <p:graphicFrame>
+        <p:nvGraphicFramePr>
+          <p:cNvPr id="10" name="Table 9"/>
+          <p:cNvGraphicFramePr>
+            <a:graphicFrameLocks noGrp="1"/>
+          </p:cNvGraphicFramePr>
+          <p:nvPr>
+            <p:extLst>
+              <p:ext uri="{D42A27DB-BD31-4B8C-83A1-F6EECF244321}">
+                <p14:modId xmlns:p14="http://schemas.microsoft.com/office/powerpoint/2010/main" val="232224274"/>
+              </p:ext>
+            </p:extLst>
+          </p:nvPr>
+        </p:nvGraphicFramePr>
+        <p:xfrm>
+          <a:off x="5468111" y="1318259"/>
+          <a:ext cx="2418587" cy="1562101"/>
+        </p:xfrm>
+        <a:graphic>
+          <a:graphicData uri="http://schemas.openxmlformats.org/drawingml/2006/table">
+            <a:tbl>
+              <a:tblPr firstRow="1" bandRow="1">
+                <a:tableStyleId>{5C22544A-7EE6-4342-B048-85BDC9FD1C3A}</a:tableStyleId>
+              </a:tblPr>
+              <a:tblGrid>
+                <a:gridCol w="454579">
+                  <a:extLst>
+                    <a:ext uri="{9D8B030D-6E8A-4147-A177-3AD203B41FA5}">
+                      <a16:colId xmlns:a16="http://schemas.microsoft.com/office/drawing/2014/main" val="997343007"/>
+                    </a:ext>
+                  </a:extLst>
+                </a:gridCol>
+                <a:gridCol w="1964008">
+                  <a:extLst>
+                    <a:ext uri="{9D8B030D-6E8A-4147-A177-3AD203B41FA5}">
+                      <a16:colId xmlns:a16="http://schemas.microsoft.com/office/drawing/2014/main" val="3343527386"/>
+                    </a:ext>
+                  </a:extLst>
+                </a:gridCol>
+              </a:tblGrid>
+              <a:tr h="403860">
+                <a:tc>
+                  <a:txBody>
+                    <a:bodyPr/>
+                    <a:lstStyle/>
+                    <a:p>
+                      <a:pPr algn="ctr"/>
+                      <a:endParaRPr lang="en-US" sz="1200" b="0">
+                        <a:solidFill>
+                          <a:srgbClr val="0070C0"/>
+                        </a:solidFill>
+                      </a:endParaRPr>
+                    </a:p>
+                  </a:txBody>
+                  <a:tcPr anchor="ctr">
+                    <a:lnL w="3175" cap="flat" cmpd="sng" algn="ctr">
+                      <a:solidFill>
+                        <a:schemeClr val="tx1"/>
+                      </a:solidFill>
+                      <a:prstDash val="solid"/>
+                      <a:round/>
+                      <a:headEnd type="none" w="med" len="med"/>
+                      <a:tailEnd type="none" w="med" len="med"/>
+                    </a:lnL>
+                    <a:lnR w="3175" cap="flat" cmpd="sng" algn="ctr">
+                      <a:solidFill>
+                        <a:schemeClr val="tx1"/>
+                      </a:solidFill>
+                      <a:prstDash val="solid"/>
+                      <a:round/>
+                      <a:headEnd type="none" w="med" len="med"/>
+                      <a:tailEnd type="none" w="med" len="med"/>
+                    </a:lnR>
+                    <a:lnT w="3175" cap="flat" cmpd="sng" algn="ctr">
+                      <a:solidFill>
+                        <a:schemeClr val="tx1"/>
+                      </a:solidFill>
+                      <a:prstDash val="solid"/>
+                      <a:round/>
+                      <a:headEnd type="none" w="med" len="med"/>
+                      <a:tailEnd type="none" w="med" len="med"/>
+                    </a:lnT>
+                    <a:lnB w="3175" cap="flat" cmpd="sng" algn="ctr">
+                      <a:solidFill>
+                        <a:schemeClr val="tx1"/>
+                      </a:solidFill>
+                      <a:prstDash val="solid"/>
+                      <a:round/>
+                      <a:headEnd type="none" w="med" len="med"/>
+                      <a:tailEnd type="none" w="med" len="med"/>
+                    </a:lnB>
+                    <a:solidFill>
+                      <a:schemeClr val="bg1"/>
+                    </a:solidFill>
+                  </a:tcPr>
+                </a:tc>
+                <a:tc>
+                  <a:txBody>
+                    <a:bodyPr/>
+                    <a:lstStyle/>
+                    <a:p>
+                      <a:pPr algn="l"/>
+                      <a:r>
+                        <a:rPr lang="en-US" sz="1200" b="0" smtClean="0">
+                          <a:solidFill>
+                            <a:srgbClr val="0070C0"/>
+                          </a:solidFill>
+                        </a:rPr>
+                        <a:t>0931.585.528</a:t>
+                      </a:r>
+                      <a:endParaRPr lang="en-US" sz="1200" b="0">
+                        <a:solidFill>
+                          <a:srgbClr val="0070C0"/>
+                        </a:solidFill>
+                      </a:endParaRPr>
+                    </a:p>
+                  </a:txBody>
+                  <a:tcPr anchor="ctr">
+                    <a:lnL w="3175" cap="flat" cmpd="sng" algn="ctr">
+                      <a:solidFill>
+                        <a:schemeClr val="tx1"/>
+                      </a:solidFill>
+                      <a:prstDash val="solid"/>
+                      <a:round/>
+                      <a:headEnd type="none" w="med" len="med"/>
+                      <a:tailEnd type="none" w="med" len="med"/>
+                    </a:lnL>
+                    <a:lnR w="3175" cap="flat" cmpd="sng" algn="ctr">
+                      <a:solidFill>
+                        <a:schemeClr val="tx1"/>
+                      </a:solidFill>
+                      <a:prstDash val="solid"/>
+                      <a:round/>
+                      <a:headEnd type="none" w="med" len="med"/>
+                      <a:tailEnd type="none" w="med" len="med"/>
+                    </a:lnR>
+                    <a:lnT w="3175" cap="flat" cmpd="sng" algn="ctr">
+                      <a:solidFill>
+                        <a:schemeClr val="tx1"/>
+                      </a:solidFill>
+                      <a:prstDash val="solid"/>
+                      <a:round/>
+                      <a:headEnd type="none" w="med" len="med"/>
+                      <a:tailEnd type="none" w="med" len="med"/>
+                    </a:lnT>
+                    <a:lnB w="3175" cap="flat" cmpd="sng" algn="ctr">
+                      <a:solidFill>
+                        <a:schemeClr val="tx1"/>
+                      </a:solidFill>
+                      <a:prstDash val="solid"/>
+                      <a:round/>
+                      <a:headEnd type="none" w="med" len="med"/>
+                      <a:tailEnd type="none" w="med" len="med"/>
+                    </a:lnB>
+                    <a:lnTlToBr w="12700" cmpd="sng">
+                      <a:noFill/>
+                      <a:prstDash val="solid"/>
+                    </a:lnTlToBr>
+                    <a:lnBlToTr w="12700" cmpd="sng">
+                      <a:noFill/>
+                      <a:prstDash val="solid"/>
+                    </a:lnBlToTr>
+                    <a:solidFill>
+                      <a:schemeClr val="bg1"/>
+                    </a:solidFill>
+                  </a:tcPr>
+                </a:tc>
+                <a:extLst>
+                  <a:ext uri="{0D108BD9-81ED-4DB2-BD59-A6C34878D82A}">
+                    <a16:rowId xmlns:a16="http://schemas.microsoft.com/office/drawing/2014/main" val="1089867373"/>
+                  </a:ext>
+                </a:extLst>
+              </a:tr>
+              <a:tr h="403860">
+                <a:tc>
+                  <a:txBody>
+                    <a:bodyPr/>
+                    <a:lstStyle/>
+                    <a:p>
+                      <a:pPr algn="ctr"/>
+                      <a:endParaRPr lang="en-US" sz="1200" b="0">
+                        <a:solidFill>
+                          <a:srgbClr val="0070C0"/>
+                        </a:solidFill>
+                      </a:endParaRPr>
+                    </a:p>
+                  </a:txBody>
+                  <a:tcPr anchor="ctr">
+                    <a:lnL w="3175" cap="flat" cmpd="sng" algn="ctr">
+                      <a:solidFill>
+                        <a:schemeClr val="tx1"/>
+                      </a:solidFill>
+                      <a:prstDash val="solid"/>
+                      <a:round/>
+                      <a:headEnd type="none" w="med" len="med"/>
+                      <a:tailEnd type="none" w="med" len="med"/>
+                    </a:lnL>
+                    <a:lnR w="3175" cap="flat" cmpd="sng" algn="ctr">
+                      <a:solidFill>
+                        <a:schemeClr val="tx1"/>
+                      </a:solidFill>
+                      <a:prstDash val="solid"/>
+                      <a:round/>
+                      <a:headEnd type="none" w="med" len="med"/>
+                      <a:tailEnd type="none" w="med" len="med"/>
+                    </a:lnR>
+                    <a:lnT w="3175" cap="flat" cmpd="sng" algn="ctr">
+                      <a:solidFill>
+                        <a:schemeClr val="tx1"/>
+                      </a:solidFill>
+                      <a:prstDash val="solid"/>
+                      <a:round/>
+                      <a:headEnd type="none" w="med" len="med"/>
+                      <a:tailEnd type="none" w="med" len="med"/>
+                    </a:lnT>
+                    <a:lnB w="3175" cap="flat" cmpd="sng" algn="ctr">
+                      <a:solidFill>
+                        <a:schemeClr val="tx1"/>
+                      </a:solidFill>
+                      <a:prstDash val="solid"/>
+                      <a:round/>
+                      <a:headEnd type="none" w="med" len="med"/>
+                      <a:tailEnd type="none" w="med" len="med"/>
+                    </a:lnB>
+                    <a:solidFill>
+                      <a:schemeClr val="bg1"/>
+                    </a:solidFill>
+                  </a:tcPr>
+                </a:tc>
+                <a:tc>
+                  <a:txBody>
+                    <a:bodyPr/>
+                    <a:lstStyle/>
+                    <a:p>
+                      <a:pPr algn="l"/>
+                      <a:r>
+                        <a:rPr lang="en-US" sz="1200" b="0" smtClean="0">
+                          <a:solidFill>
+                            <a:srgbClr val="0070C0"/>
+                          </a:solidFill>
+                        </a:rPr>
+                        <a:t>Giám</a:t>
+                      </a:r>
+                      <a:r>
+                        <a:rPr lang="en-US" sz="1200" b="0" baseline="0" smtClean="0">
+                          <a:solidFill>
+                            <a:srgbClr val="0070C0"/>
+                          </a:solidFill>
+                        </a:rPr>
+                        <a:t> đốc: Vũ Ngọc Kiên</a:t>
+                      </a:r>
+                      <a:endParaRPr lang="en-US" sz="1200" b="0">
+                        <a:solidFill>
+                          <a:srgbClr val="0070C0"/>
+                        </a:solidFill>
+                      </a:endParaRPr>
+                    </a:p>
+                  </a:txBody>
+                  <a:tcPr anchor="ctr">
+                    <a:lnL w="3175" cap="flat" cmpd="sng" algn="ctr">
+                      <a:solidFill>
+                        <a:schemeClr val="tx1"/>
+                      </a:solidFill>
+                      <a:prstDash val="solid"/>
+                      <a:round/>
+                      <a:headEnd type="none" w="med" len="med"/>
+                      <a:tailEnd type="none" w="med" len="med"/>
+                    </a:lnL>
+                    <a:lnR w="3175" cap="flat" cmpd="sng" algn="ctr">
+                      <a:solidFill>
+                        <a:schemeClr val="tx1"/>
+                      </a:solidFill>
+                      <a:prstDash val="solid"/>
+                      <a:round/>
+                      <a:headEnd type="none" w="med" len="med"/>
+                      <a:tailEnd type="none" w="med" len="med"/>
+                    </a:lnR>
+                    <a:lnT w="3175" cap="flat" cmpd="sng" algn="ctr">
+                      <a:solidFill>
+                        <a:schemeClr val="tx1"/>
+                      </a:solidFill>
+                      <a:prstDash val="solid"/>
+                      <a:round/>
+                      <a:headEnd type="none" w="med" len="med"/>
+                      <a:tailEnd type="none" w="med" len="med"/>
+                    </a:lnT>
+                    <a:lnB w="3175" cap="flat" cmpd="sng" algn="ctr">
+                      <a:solidFill>
+                        <a:schemeClr val="tx1"/>
+                      </a:solidFill>
+                      <a:prstDash val="solid"/>
+                      <a:round/>
+                      <a:headEnd type="none" w="med" len="med"/>
+                      <a:tailEnd type="none" w="med" len="med"/>
+                    </a:lnB>
+                    <a:solidFill>
+                      <a:schemeClr val="bg1"/>
+                    </a:solidFill>
+                  </a:tcPr>
+                </a:tc>
+                <a:extLst>
+                  <a:ext uri="{0D108BD9-81ED-4DB2-BD59-A6C34878D82A}">
+                    <a16:rowId xmlns:a16="http://schemas.microsoft.com/office/drawing/2014/main" val="2963593784"/>
+                  </a:ext>
+                </a:extLst>
+              </a:tr>
+              <a:tr h="403860">
+                <a:tc>
+                  <a:txBody>
+                    <a:bodyPr/>
+                    <a:lstStyle/>
+                    <a:p>
+                      <a:pPr algn="ctr"/>
+                      <a:endParaRPr lang="en-US" sz="1200" b="0">
+                        <a:solidFill>
+                          <a:srgbClr val="0070C0"/>
+                        </a:solidFill>
+                      </a:endParaRPr>
+                    </a:p>
+                  </a:txBody>
+                  <a:tcPr anchor="ctr">
+                    <a:lnL w="3175" cap="flat" cmpd="sng" algn="ctr">
+                      <a:solidFill>
+                        <a:schemeClr val="tx1"/>
+                      </a:solidFill>
+                      <a:prstDash val="solid"/>
+                      <a:round/>
+                      <a:headEnd type="none" w="med" len="med"/>
+                      <a:tailEnd type="none" w="med" len="med"/>
+                    </a:lnL>
+                    <a:lnR w="3175" cap="flat" cmpd="sng" algn="ctr">
+                      <a:solidFill>
+                        <a:schemeClr val="tx1"/>
+                      </a:solidFill>
+                      <a:prstDash val="solid"/>
+                      <a:round/>
+                      <a:headEnd type="none" w="med" len="med"/>
+                      <a:tailEnd type="none" w="med" len="med"/>
+                    </a:lnR>
+                    <a:lnT w="3175" cap="flat" cmpd="sng" algn="ctr">
+                      <a:solidFill>
+                        <a:schemeClr val="tx1"/>
+                      </a:solidFill>
+                      <a:prstDash val="solid"/>
+                      <a:round/>
+                      <a:headEnd type="none" w="med" len="med"/>
+                      <a:tailEnd type="none" w="med" len="med"/>
+                    </a:lnT>
+                    <a:lnB w="3175" cap="flat" cmpd="sng" algn="ctr">
+                      <a:solidFill>
+                        <a:schemeClr val="tx1"/>
+                      </a:solidFill>
+                      <a:prstDash val="solid"/>
+                      <a:round/>
+                      <a:headEnd type="none" w="med" len="med"/>
+                      <a:tailEnd type="none" w="med" len="med"/>
+                    </a:lnB>
+                    <a:solidFill>
+                      <a:schemeClr val="bg1"/>
+                    </a:solidFill>
+                  </a:tcPr>
+                </a:tc>
+                <a:tc>
+                  <a:txBody>
+                    <a:bodyPr/>
+                    <a:lstStyle/>
+                    <a:p>
+                      <a:pPr algn="l"/>
+                      <a:r>
+                        <a:rPr lang="en-US" sz="1200" b="0" smtClean="0">
+                          <a:solidFill>
+                            <a:srgbClr val="0070C0"/>
+                          </a:solidFill>
+                        </a:rPr>
+                        <a:t>inoxlinhkien@gmail.com</a:t>
+                      </a:r>
+                      <a:endParaRPr lang="en-US" sz="1200" b="0">
+                        <a:solidFill>
+                          <a:srgbClr val="0070C0"/>
+                        </a:solidFill>
+                      </a:endParaRPr>
+                    </a:p>
+                  </a:txBody>
+                  <a:tcPr anchor="ctr">
+                    <a:lnL w="3175" cap="flat" cmpd="sng" algn="ctr">
+                      <a:solidFill>
+                        <a:schemeClr val="tx1"/>
+                      </a:solidFill>
+                      <a:prstDash val="solid"/>
+                      <a:round/>
+                      <a:headEnd type="none" w="med" len="med"/>
+                      <a:tailEnd type="none" w="med" len="med"/>
+                    </a:lnL>
+                    <a:lnR w="3175" cap="flat" cmpd="sng" algn="ctr">
+                      <a:solidFill>
+                        <a:schemeClr val="tx1"/>
+                      </a:solidFill>
+                      <a:prstDash val="solid"/>
+                      <a:round/>
+                      <a:headEnd type="none" w="med" len="med"/>
+                      <a:tailEnd type="none" w="med" len="med"/>
+                    </a:lnR>
+                    <a:lnT w="3175" cap="flat" cmpd="sng" algn="ctr">
+                      <a:solidFill>
+                        <a:schemeClr val="tx1"/>
+                      </a:solidFill>
+                      <a:prstDash val="solid"/>
+                      <a:round/>
+                      <a:headEnd type="none" w="med" len="med"/>
+                      <a:tailEnd type="none" w="med" len="med"/>
+                    </a:lnT>
+                    <a:lnB w="3175" cap="flat" cmpd="sng" algn="ctr">
+                      <a:solidFill>
+                        <a:schemeClr val="tx1"/>
+                      </a:solidFill>
+                      <a:prstDash val="solid"/>
+                      <a:round/>
+                      <a:headEnd type="none" w="med" len="med"/>
+                      <a:tailEnd type="none" w="med" len="med"/>
+                    </a:lnB>
+                    <a:solidFill>
+                      <a:schemeClr val="bg1"/>
+                    </a:solidFill>
+                  </a:tcPr>
+                </a:tc>
+                <a:extLst>
+                  <a:ext uri="{0D108BD9-81ED-4DB2-BD59-A6C34878D82A}">
+                    <a16:rowId xmlns:a16="http://schemas.microsoft.com/office/drawing/2014/main" val="2006977348"/>
+                  </a:ext>
+                </a:extLst>
+              </a:tr>
+              <a:tr h="350521">
+                <a:tc>
+                  <a:txBody>
+                    <a:bodyPr/>
+                    <a:lstStyle/>
+                    <a:p>
+                      <a:pPr algn="ctr"/>
+                      <a:endParaRPr lang="en-US" sz="1200" b="0">
+                        <a:solidFill>
+                          <a:srgbClr val="0070C0"/>
+                        </a:solidFill>
+                      </a:endParaRPr>
+                    </a:p>
+                  </a:txBody>
+                  <a:tcPr anchor="ctr">
+                    <a:lnL w="3175" cap="flat" cmpd="sng" algn="ctr">
+                      <a:solidFill>
+                        <a:schemeClr val="tx1"/>
+                      </a:solidFill>
+                      <a:prstDash val="solid"/>
+                      <a:round/>
+                      <a:headEnd type="none" w="med" len="med"/>
+                      <a:tailEnd type="none" w="med" len="med"/>
+                    </a:lnL>
+                    <a:lnR w="3175" cap="flat" cmpd="sng" algn="ctr">
+                      <a:solidFill>
+                        <a:schemeClr val="tx1"/>
+                      </a:solidFill>
+                      <a:prstDash val="solid"/>
+                      <a:round/>
+                      <a:headEnd type="none" w="med" len="med"/>
+                      <a:tailEnd type="none" w="med" len="med"/>
+                    </a:lnR>
+                    <a:lnT w="3175" cap="flat" cmpd="sng" algn="ctr">
+                      <a:solidFill>
+                        <a:schemeClr val="tx1"/>
+                      </a:solidFill>
+                      <a:prstDash val="solid"/>
+                      <a:round/>
+                      <a:headEnd type="none" w="med" len="med"/>
+                      <a:tailEnd type="none" w="med" len="med"/>
+                    </a:lnT>
+                    <a:lnB w="3175" cap="flat" cmpd="sng" algn="ctr">
+                      <a:solidFill>
+                        <a:schemeClr val="tx1"/>
+                      </a:solidFill>
+                      <a:prstDash val="solid"/>
+                      <a:round/>
+                      <a:headEnd type="none" w="med" len="med"/>
+                      <a:tailEnd type="none" w="med" len="med"/>
+                    </a:lnB>
+                    <a:solidFill>
+                      <a:schemeClr val="bg1"/>
+                    </a:solidFill>
+                  </a:tcPr>
+                </a:tc>
+                <a:tc>
+                  <a:txBody>
+                    <a:bodyPr/>
+                    <a:lstStyle/>
+                    <a:p>
+                      <a:pPr algn="l"/>
+                      <a:r>
+                        <a:rPr lang="en-US" sz="1200" b="0" smtClean="0">
+                          <a:solidFill>
+                            <a:srgbClr val="0070C0"/>
+                          </a:solidFill>
+                        </a:rPr>
+                        <a:t>Facebook.com/InoxLinhKien</a:t>
+                      </a:r>
+                      <a:endParaRPr lang="en-US" sz="1200" b="0">
+                        <a:solidFill>
+                          <a:srgbClr val="0070C0"/>
+                        </a:solidFill>
+                      </a:endParaRPr>
+                    </a:p>
+                  </a:txBody>
+                  <a:tcPr anchor="ctr">
+                    <a:lnL w="3175" cap="flat" cmpd="sng" algn="ctr">
+                      <a:solidFill>
+                        <a:schemeClr val="tx1"/>
+                      </a:solidFill>
+                      <a:prstDash val="solid"/>
+                      <a:round/>
+                      <a:headEnd type="none" w="med" len="med"/>
+                      <a:tailEnd type="none" w="med" len="med"/>
+                    </a:lnL>
+                    <a:lnR w="3175" cap="flat" cmpd="sng" algn="ctr">
+                      <a:solidFill>
+                        <a:schemeClr val="tx1"/>
+                      </a:solidFill>
+                      <a:prstDash val="solid"/>
+                      <a:round/>
+                      <a:headEnd type="none" w="med" len="med"/>
+                      <a:tailEnd type="none" w="med" len="med"/>
+                    </a:lnR>
+                    <a:lnT w="3175" cap="flat" cmpd="sng" algn="ctr">
+                      <a:solidFill>
+                        <a:schemeClr val="tx1"/>
+                      </a:solidFill>
+                      <a:prstDash val="solid"/>
+                      <a:round/>
+                      <a:headEnd type="none" w="med" len="med"/>
+                      <a:tailEnd type="none" w="med" len="med"/>
+                    </a:lnT>
+                    <a:lnB w="3175" cap="flat" cmpd="sng" algn="ctr">
+                      <a:solidFill>
+                        <a:schemeClr val="tx1"/>
+                      </a:solidFill>
+                      <a:prstDash val="solid"/>
+                      <a:round/>
+                      <a:headEnd type="none" w="med" len="med"/>
+                      <a:tailEnd type="none" w="med" len="med"/>
+                    </a:lnB>
+                    <a:solidFill>
+                      <a:schemeClr val="bg1"/>
+                    </a:solidFill>
+                  </a:tcPr>
+                </a:tc>
+                <a:extLst>
+                  <a:ext uri="{0D108BD9-81ED-4DB2-BD59-A6C34878D82A}">
+                    <a16:rowId xmlns:a16="http://schemas.microsoft.com/office/drawing/2014/main" val="2902707197"/>
+                  </a:ext>
+                </a:extLst>
+              </a:tr>
+            </a:tbl>
+          </a:graphicData>
+        </a:graphic>
+      </p:graphicFrame>
+      <p:sp>
+        <p:nvSpPr>
+          <p:cNvPr id="5" name="TextBox 4"/>
+          <p:cNvSpPr txBox="1"/>
+          <p:nvPr/>
+        </p:nvSpPr>
+        <p:spPr>
+          <a:xfrm>
+            <a:off x="3017520" y="132069"/>
+            <a:ext cx="4869179" cy="415498"/>
+          </a:xfrm>
+          <a:prstGeom prst="rect">
+            <a:avLst/>
+          </a:prstGeom>
+          <a:noFill/>
+        </p:spPr>
+        <p:txBody>
+          <a:bodyPr wrap="square" rtlCol="0">
+            <a:spAutoFit/>
+          </a:bodyPr>
+          <a:lstStyle/>
+          <a:p>
+            <a:pPr algn="ctr"/>
+            <a:r>
+              <a:rPr lang="en-US" sz="2100" b="1" smtClean="0">
+                <a:ln w="22225">
+                  <a:solidFill>
+                    <a:schemeClr val="accent2"/>
+                  </a:solidFill>
+                  <a:prstDash val="solid"/>
+                </a:ln>
+                <a:solidFill>
+                  <a:schemeClr val="accent2">
+                    <a:lumMod val="40000"/>
+                    <a:lumOff val="60000"/>
+                  </a:schemeClr>
+                </a:solidFill>
+                <a:latin typeface="Berlin Sans FB Demi" panose="020E0802020502020306" pitchFamily="34" charset="0"/>
+              </a:rPr>
+              <a:t>CÔNG TY TNHH CƠ KHÍ LINH KIÊN</a:t>
+            </a:r>
+            <a:endParaRPr lang="en-US" sz="2100">
+              <a:latin typeface="Berlin Sans FB Demi" panose="020E0802020502020306" pitchFamily="34" charset="0"/>
+            </a:endParaRPr>
+          </a:p>
+        </p:txBody>
+      </p:sp>
+      <p:sp>
+        <p:nvSpPr>
+          <p:cNvPr id="8" name="TextBox 7"/>
+          <p:cNvSpPr txBox="1"/>
+          <p:nvPr/>
+        </p:nvSpPr>
+        <p:spPr>
+          <a:xfrm>
+            <a:off x="3017520" y="690427"/>
+            <a:ext cx="4869180" cy="323165"/>
+          </a:xfrm>
+          <a:prstGeom prst="rect">
+            <a:avLst/>
+          </a:prstGeom>
+          <a:solidFill>
+            <a:schemeClr val="bg1"/>
+          </a:solidFill>
+          <a:ln>
+            <a:solidFill>
+              <a:srgbClr val="FFC000"/>
+            </a:solidFill>
+          </a:ln>
+          <a:effectLst>
+            <a:outerShdw blurRad="63500" dist="25400" dir="4200000" sx="102000" sy="102000" algn="tr" rotWithShape="0">
+              <a:schemeClr val="accent2">
+                <a:lumMod val="75000"/>
+                <a:alpha val="75000"/>
+              </a:schemeClr>
+            </a:outerShdw>
+          </a:effectLst>
+        </p:spPr>
+        <p:txBody>
+          <a:bodyPr wrap="square" rtlCol="0">
+            <a:spAutoFit/>
+          </a:bodyPr>
+          <a:lstStyle/>
+          <a:p>
+            <a:pPr algn="ctr"/>
+            <a:r>
+              <a:rPr lang="en-US" sz="1500" smtClean="0">
+                <a:ln w="0"/>
+                <a:solidFill>
+                  <a:schemeClr val="accent1">
+                    <a:lumMod val="75000"/>
+                  </a:schemeClr>
+                </a:solidFill>
+                <a:effectLst>
+                  <a:outerShdw blurRad="38100" dist="19050" dir="2700000" algn="tl" rotWithShape="0">
+                    <a:schemeClr val="dk1">
+                      <a:alpha val="40000"/>
+                    </a:schemeClr>
+                  </a:outerShdw>
+                </a:effectLst>
+              </a:rPr>
+              <a:t>Sự hài lòng của khách hàng là niềm hạnh phúc của chúng tôi</a:t>
+            </a:r>
+            <a:endParaRPr lang="en-US" sz="1500">
+              <a:ln w="0"/>
+              <a:solidFill>
+                <a:schemeClr val="accent1">
+                  <a:lumMod val="75000"/>
+                </a:schemeClr>
+              </a:solidFill>
+              <a:effectLst>
+                <a:outerShdw blurRad="38100" dist="19050" dir="2700000" algn="tl" rotWithShape="0">
+                  <a:schemeClr val="dk1">
+                    <a:alpha val="40000"/>
+                  </a:schemeClr>
+                </a:outerShdw>
+              </a:effectLst>
+            </a:endParaRPr>
+          </a:p>
+        </p:txBody>
+      </p:sp>
+      <p:pic>
+        <p:nvPicPr>
+          <p:cNvPr id="9" name="Picture 8"/>
+          <p:cNvPicPr>
+            <a:picLocks noChangeAspect="1"/>
+          </p:cNvPicPr>
+          <p:nvPr/>
+        </p:nvPicPr>
+        <p:blipFill>
+          <a:blip r:embed="rId4" cstate="print">
+            <a:extLst>
+              <a:ext uri="{28A0092B-C50C-407E-A947-70E740481C1C}">
+                <a14:useLocalDpi xmlns:a14="http://schemas.microsoft.com/office/drawing/2010/main" val="0"/>
+              </a:ext>
+            </a:extLst>
+          </a:blip>
+          <a:stretch>
+            <a:fillRect/>
+          </a:stretch>
+        </p:blipFill>
+        <p:spPr>
+          <a:xfrm>
+            <a:off x="5599955" y="1405099"/>
+            <a:ext cx="289351" cy="289350"/>
+          </a:xfrm>
+          <a:prstGeom prst="rect">
+            <a:avLst/>
+          </a:prstGeom>
+        </p:spPr>
+      </p:pic>
+      <p:pic>
+        <p:nvPicPr>
+          <p:cNvPr id="11" name="Picture 10"/>
+          <p:cNvPicPr>
+            <a:picLocks noChangeAspect="1"/>
+          </p:cNvPicPr>
+          <p:nvPr/>
+        </p:nvPicPr>
+        <p:blipFill>
+          <a:blip r:embed="rId5">
+            <a:extLst>
+              <a:ext uri="{28A0092B-C50C-407E-A947-70E740481C1C}">
+                <a14:useLocalDpi xmlns:a14="http://schemas.microsoft.com/office/drawing/2010/main" val="0"/>
+              </a:ext>
+            </a:extLst>
+          </a:blip>
+          <a:stretch>
+            <a:fillRect/>
+          </a:stretch>
+        </p:blipFill>
+        <p:spPr>
+          <a:xfrm>
+            <a:off x="5599955" y="1780104"/>
+            <a:ext cx="282789" cy="282789"/>
+          </a:xfrm>
+          <a:prstGeom prst="rect">
+            <a:avLst/>
+          </a:prstGeom>
+        </p:spPr>
+      </p:pic>
+      <p:pic>
+        <p:nvPicPr>
+          <p:cNvPr id="12" name="Picture 11"/>
+          <p:cNvPicPr>
+            <a:picLocks noChangeAspect="1"/>
+          </p:cNvPicPr>
+          <p:nvPr/>
+        </p:nvPicPr>
+        <p:blipFill>
+          <a:blip r:embed="rId6" cstate="print">
+            <a:extLst>
+              <a:ext uri="{28A0092B-C50C-407E-A947-70E740481C1C}">
+                <a14:useLocalDpi xmlns:a14="http://schemas.microsoft.com/office/drawing/2010/main" val="0"/>
+              </a:ext>
+            </a:extLst>
+          </a:blip>
+          <a:stretch>
+            <a:fillRect/>
+          </a:stretch>
+        </p:blipFill>
+        <p:spPr>
+          <a:xfrm>
+            <a:off x="5637983" y="2212827"/>
+            <a:ext cx="257057" cy="257057"/>
+          </a:xfrm>
+          <a:prstGeom prst="rect">
+            <a:avLst/>
+          </a:prstGeom>
+        </p:spPr>
+      </p:pic>
+      <p:pic>
+        <p:nvPicPr>
+          <p:cNvPr id="15" name="Picture 14"/>
+          <p:cNvPicPr>
+            <a:picLocks noChangeAspect="1"/>
+          </p:cNvPicPr>
+          <p:nvPr/>
+        </p:nvPicPr>
+        <p:blipFill>
+          <a:blip r:embed="rId7" cstate="print">
+            <a:extLst>
+              <a:ext uri="{28A0092B-C50C-407E-A947-70E740481C1C}">
+                <a14:useLocalDpi xmlns:a14="http://schemas.microsoft.com/office/drawing/2010/main" val="0"/>
+              </a:ext>
+            </a:extLst>
+          </a:blip>
+          <a:stretch>
+            <a:fillRect/>
+          </a:stretch>
+        </p:blipFill>
+        <p:spPr>
+          <a:xfrm>
+            <a:off x="5648827" y="2605052"/>
+            <a:ext cx="215265" cy="247650"/>
+          </a:xfrm>
+          <a:prstGeom prst="rect">
+            <a:avLst/>
+          </a:prstGeom>
+        </p:spPr>
+      </p:pic>
+      <p:graphicFrame>
+        <p:nvGraphicFramePr>
+          <p:cNvPr id="16" name="Table 15"/>
+          <p:cNvGraphicFramePr>
+            <a:graphicFrameLocks noGrp="1"/>
+          </p:cNvGraphicFramePr>
+          <p:nvPr>
+            <p:extLst>
+              <p:ext uri="{D42A27DB-BD31-4B8C-83A1-F6EECF244321}">
+                <p14:modId xmlns:p14="http://schemas.microsoft.com/office/powerpoint/2010/main" val="1642953040"/>
+              </p:ext>
+            </p:extLst>
+          </p:nvPr>
+        </p:nvGraphicFramePr>
+        <p:xfrm>
+          <a:off x="3017520" y="1318259"/>
+          <a:ext cx="2331720" cy="1549210"/>
+        </p:xfrm>
+        <a:graphic>
+          <a:graphicData uri="http://schemas.openxmlformats.org/drawingml/2006/table">
+            <a:tbl>
+              <a:tblPr firstRow="1" bandRow="1">
+                <a:tableStyleId>{5C22544A-7EE6-4342-B048-85BDC9FD1C3A}</a:tableStyleId>
+              </a:tblPr>
+              <a:tblGrid>
+                <a:gridCol w="468223">
+                  <a:extLst>
+                    <a:ext uri="{9D8B030D-6E8A-4147-A177-3AD203B41FA5}">
+                      <a16:colId xmlns:a16="http://schemas.microsoft.com/office/drawing/2014/main" val="997343007"/>
+                    </a:ext>
+                  </a:extLst>
+                </a:gridCol>
+                <a:gridCol w="1863497">
+                  <a:extLst>
+                    <a:ext uri="{9D8B030D-6E8A-4147-A177-3AD203B41FA5}">
+                      <a16:colId xmlns:a16="http://schemas.microsoft.com/office/drawing/2014/main" val="3343527386"/>
+                    </a:ext>
+                  </a:extLst>
+                </a:gridCol>
+              </a:tblGrid>
+              <a:tr h="309842">
+                <a:tc>
+                  <a:txBody>
+                    <a:bodyPr/>
+                    <a:lstStyle/>
+                    <a:p>
+                      <a:pPr algn="ctr"/>
+                      <a:endParaRPr lang="en-US" sz="1200" b="0">
+                        <a:solidFill>
+                          <a:srgbClr val="0070C0"/>
+                        </a:solidFill>
+                      </a:endParaRPr>
+                    </a:p>
+                  </a:txBody>
+                  <a:tcPr anchor="ctr">
+                    <a:lnL w="3175" cap="flat" cmpd="sng" algn="ctr">
+                      <a:solidFill>
+                        <a:schemeClr val="tx1"/>
+                      </a:solidFill>
+                      <a:prstDash val="solid"/>
+                      <a:round/>
+                      <a:headEnd type="none" w="med" len="med"/>
+                      <a:tailEnd type="none" w="med" len="med"/>
+                    </a:lnL>
+                    <a:lnR w="3175" cap="flat" cmpd="sng" algn="ctr">
+                      <a:solidFill>
+                        <a:schemeClr val="tx1"/>
+                      </a:solidFill>
+                      <a:prstDash val="solid"/>
+                      <a:round/>
+                      <a:headEnd type="none" w="med" len="med"/>
+                      <a:tailEnd type="none" w="med" len="med"/>
+                    </a:lnR>
+                    <a:lnT w="3175" cap="flat" cmpd="sng" algn="ctr">
+                      <a:solidFill>
+                        <a:schemeClr val="tx1"/>
+                      </a:solidFill>
+                      <a:prstDash val="solid"/>
+                      <a:round/>
+                      <a:headEnd type="none" w="med" len="med"/>
+                      <a:tailEnd type="none" w="med" len="med"/>
+                    </a:lnT>
+                    <a:lnB w="3175" cap="flat" cmpd="sng" algn="ctr">
+                      <a:solidFill>
+                        <a:schemeClr val="tx1"/>
+                      </a:solidFill>
+                      <a:prstDash val="solid"/>
+                      <a:round/>
+                      <a:headEnd type="none" w="med" len="med"/>
+                      <a:tailEnd type="none" w="med" len="med"/>
+                    </a:lnB>
+                    <a:solidFill>
+                      <a:schemeClr val="bg1"/>
+                    </a:solidFill>
+                  </a:tcPr>
+                </a:tc>
+                <a:tc>
+                  <a:txBody>
+                    <a:bodyPr/>
+                    <a:lstStyle/>
+                    <a:p>
+                      <a:pPr algn="l"/>
+                      <a:r>
+                        <a:rPr lang="en-US" sz="1200" b="0" smtClean="0">
+                          <a:solidFill>
+                            <a:srgbClr val="0070C0"/>
+                          </a:solidFill>
+                        </a:rPr>
+                        <a:t>Chậu</a:t>
+                      </a:r>
+                      <a:r>
+                        <a:rPr lang="en-US" sz="1200" b="0" baseline="0" smtClean="0">
+                          <a:solidFill>
+                            <a:srgbClr val="0070C0"/>
+                          </a:solidFill>
+                        </a:rPr>
+                        <a:t> rửa Inox</a:t>
+                      </a:r>
+                      <a:endParaRPr lang="en-US" sz="1200" b="0">
+                        <a:solidFill>
+                          <a:srgbClr val="0070C0"/>
+                        </a:solidFill>
+                      </a:endParaRPr>
+                    </a:p>
+                  </a:txBody>
+                  <a:tcPr anchor="ctr">
+                    <a:lnL w="3175" cap="flat" cmpd="sng" algn="ctr">
+                      <a:solidFill>
+                        <a:schemeClr val="tx1"/>
+                      </a:solidFill>
+                      <a:prstDash val="solid"/>
+                      <a:round/>
+                      <a:headEnd type="none" w="med" len="med"/>
+                      <a:tailEnd type="none" w="med" len="med"/>
+                    </a:lnL>
+                    <a:lnR w="3175" cap="flat" cmpd="sng" algn="ctr">
+                      <a:solidFill>
+                        <a:schemeClr val="tx1"/>
+                      </a:solidFill>
+                      <a:prstDash val="solid"/>
+                      <a:round/>
+                      <a:headEnd type="none" w="med" len="med"/>
+                      <a:tailEnd type="none" w="med" len="med"/>
+                    </a:lnR>
+                    <a:lnT w="3175" cap="flat" cmpd="sng" algn="ctr">
+                      <a:solidFill>
+                        <a:schemeClr val="tx1"/>
+                      </a:solidFill>
+                      <a:prstDash val="solid"/>
+                      <a:round/>
+                      <a:headEnd type="none" w="med" len="med"/>
+                      <a:tailEnd type="none" w="med" len="med"/>
+                    </a:lnT>
+                    <a:lnB w="3175" cap="flat" cmpd="sng" algn="ctr">
+                      <a:solidFill>
+                        <a:schemeClr val="tx1"/>
+                      </a:solidFill>
+                      <a:prstDash val="solid"/>
+                      <a:round/>
+                      <a:headEnd type="none" w="med" len="med"/>
+                      <a:tailEnd type="none" w="med" len="med"/>
+                    </a:lnB>
+                    <a:lnTlToBr w="12700" cmpd="sng">
+                      <a:noFill/>
+                      <a:prstDash val="solid"/>
+                    </a:lnTlToBr>
+                    <a:lnBlToTr w="12700" cmpd="sng">
+                      <a:noFill/>
+                      <a:prstDash val="solid"/>
+                    </a:lnBlToTr>
+                    <a:solidFill>
+                      <a:schemeClr val="bg1"/>
+                    </a:solidFill>
+                  </a:tcPr>
+                </a:tc>
+                <a:extLst>
+                  <a:ext uri="{0D108BD9-81ED-4DB2-BD59-A6C34878D82A}">
+                    <a16:rowId xmlns:a16="http://schemas.microsoft.com/office/drawing/2014/main" val="1089867373"/>
+                  </a:ext>
+                </a:extLst>
+              </a:tr>
+              <a:tr h="309842">
+                <a:tc>
+                  <a:txBody>
+                    <a:bodyPr/>
+                    <a:lstStyle/>
+                    <a:p>
+                      <a:pPr algn="ctr"/>
+                      <a:endParaRPr lang="en-US" sz="1200" b="0">
+                        <a:solidFill>
+                          <a:srgbClr val="0070C0"/>
+                        </a:solidFill>
+                      </a:endParaRPr>
+                    </a:p>
+                  </a:txBody>
+                  <a:tcPr anchor="ctr">
+                    <a:lnL w="3175" cap="flat" cmpd="sng" algn="ctr">
+                      <a:solidFill>
+                        <a:schemeClr val="tx1"/>
+                      </a:solidFill>
+                      <a:prstDash val="solid"/>
+                      <a:round/>
+                      <a:headEnd type="none" w="med" len="med"/>
+                      <a:tailEnd type="none" w="med" len="med"/>
+                    </a:lnL>
+                    <a:lnR w="3175" cap="flat" cmpd="sng" algn="ctr">
+                      <a:solidFill>
+                        <a:schemeClr val="tx1"/>
+                      </a:solidFill>
+                      <a:prstDash val="solid"/>
+                      <a:round/>
+                      <a:headEnd type="none" w="med" len="med"/>
+                      <a:tailEnd type="none" w="med" len="med"/>
+                    </a:lnR>
+                    <a:lnT w="3175" cap="flat" cmpd="sng" algn="ctr">
+                      <a:solidFill>
+                        <a:schemeClr val="tx1"/>
+                      </a:solidFill>
+                      <a:prstDash val="solid"/>
+                      <a:round/>
+                      <a:headEnd type="none" w="med" len="med"/>
+                      <a:tailEnd type="none" w="med" len="med"/>
+                    </a:lnT>
+                    <a:lnB w="3175" cap="flat" cmpd="sng" algn="ctr">
+                      <a:solidFill>
+                        <a:schemeClr val="tx1"/>
+                      </a:solidFill>
+                      <a:prstDash val="solid"/>
+                      <a:round/>
+                      <a:headEnd type="none" w="med" len="med"/>
+                      <a:tailEnd type="none" w="med" len="med"/>
+                    </a:lnB>
+                    <a:solidFill>
+                      <a:schemeClr val="bg1"/>
+                    </a:solidFill>
+                  </a:tcPr>
+                </a:tc>
+                <a:tc>
+                  <a:txBody>
+                    <a:bodyPr/>
+                    <a:lstStyle/>
+                    <a:p>
+                      <a:pPr algn="l"/>
+                      <a:r>
+                        <a:rPr lang="en-US" sz="1200" b="0" smtClean="0">
+                          <a:solidFill>
+                            <a:srgbClr val="0070C0"/>
+                          </a:solidFill>
+                        </a:rPr>
+                        <a:t>Bếp</a:t>
+                      </a:r>
+                      <a:r>
+                        <a:rPr lang="en-US" sz="1200" b="0" baseline="0" smtClean="0">
+                          <a:solidFill>
+                            <a:srgbClr val="0070C0"/>
+                          </a:solidFill>
+                        </a:rPr>
+                        <a:t> công nghiệp</a:t>
+                      </a:r>
+                      <a:endParaRPr lang="en-US" sz="1200" b="0">
+                        <a:solidFill>
+                          <a:srgbClr val="0070C0"/>
+                        </a:solidFill>
+                      </a:endParaRPr>
+                    </a:p>
+                  </a:txBody>
+                  <a:tcPr anchor="ctr">
+                    <a:lnL w="3175" cap="flat" cmpd="sng" algn="ctr">
+                      <a:solidFill>
+                        <a:schemeClr val="tx1"/>
+                      </a:solidFill>
+                      <a:prstDash val="solid"/>
+                      <a:round/>
+                      <a:headEnd type="none" w="med" len="med"/>
+                      <a:tailEnd type="none" w="med" len="med"/>
+                    </a:lnL>
+                    <a:lnR w="3175" cap="flat" cmpd="sng" algn="ctr">
+                      <a:solidFill>
+                        <a:schemeClr val="tx1"/>
+                      </a:solidFill>
+                      <a:prstDash val="solid"/>
+                      <a:round/>
+                      <a:headEnd type="none" w="med" len="med"/>
+                      <a:tailEnd type="none" w="med" len="med"/>
+                    </a:lnR>
+                    <a:lnT w="3175" cap="flat" cmpd="sng" algn="ctr">
+                      <a:solidFill>
+                        <a:schemeClr val="tx1"/>
+                      </a:solidFill>
+                      <a:prstDash val="solid"/>
+                      <a:round/>
+                      <a:headEnd type="none" w="med" len="med"/>
+                      <a:tailEnd type="none" w="med" len="med"/>
+                    </a:lnT>
+                    <a:lnB w="3175" cap="flat" cmpd="sng" algn="ctr">
+                      <a:solidFill>
+                        <a:schemeClr val="tx1"/>
+                      </a:solidFill>
+                      <a:prstDash val="solid"/>
+                      <a:round/>
+                      <a:headEnd type="none" w="med" len="med"/>
+                      <a:tailEnd type="none" w="med" len="med"/>
+                    </a:lnB>
+                    <a:solidFill>
+                      <a:schemeClr val="bg1"/>
+                    </a:solidFill>
+                  </a:tcPr>
+                </a:tc>
+                <a:extLst>
+                  <a:ext uri="{0D108BD9-81ED-4DB2-BD59-A6C34878D82A}">
+                    <a16:rowId xmlns:a16="http://schemas.microsoft.com/office/drawing/2014/main" val="2963593784"/>
+                  </a:ext>
+                </a:extLst>
+              </a:tr>
+              <a:tr h="309842">
+                <a:tc>
+                  <a:txBody>
+                    <a:bodyPr/>
+                    <a:lstStyle/>
+                    <a:p>
+                      <a:pPr algn="ctr"/>
+                      <a:endParaRPr lang="en-US" sz="1200" b="0">
+                        <a:solidFill>
+                          <a:srgbClr val="0070C0"/>
+                        </a:solidFill>
+                      </a:endParaRPr>
+                    </a:p>
+                  </a:txBody>
+                  <a:tcPr anchor="ctr">
+                    <a:lnL w="3175" cap="flat" cmpd="sng" algn="ctr">
+                      <a:solidFill>
+                        <a:schemeClr val="tx1"/>
+                      </a:solidFill>
+                      <a:prstDash val="solid"/>
+                      <a:round/>
+                      <a:headEnd type="none" w="med" len="med"/>
+                      <a:tailEnd type="none" w="med" len="med"/>
+                    </a:lnL>
+                    <a:lnR w="3175" cap="flat" cmpd="sng" algn="ctr">
+                      <a:solidFill>
+                        <a:schemeClr val="tx1"/>
+                      </a:solidFill>
+                      <a:prstDash val="solid"/>
+                      <a:round/>
+                      <a:headEnd type="none" w="med" len="med"/>
+                      <a:tailEnd type="none" w="med" len="med"/>
+                    </a:lnR>
+                    <a:lnT w="3175" cap="flat" cmpd="sng" algn="ctr">
+                      <a:solidFill>
+                        <a:schemeClr val="tx1"/>
+                      </a:solidFill>
+                      <a:prstDash val="solid"/>
+                      <a:round/>
+                      <a:headEnd type="none" w="med" len="med"/>
+                      <a:tailEnd type="none" w="med" len="med"/>
+                    </a:lnT>
+                    <a:lnB w="3175" cap="flat" cmpd="sng" algn="ctr">
+                      <a:solidFill>
+                        <a:schemeClr val="tx1"/>
+                      </a:solidFill>
+                      <a:prstDash val="solid"/>
+                      <a:round/>
+                      <a:headEnd type="none" w="med" len="med"/>
+                      <a:tailEnd type="none" w="med" len="med"/>
+                    </a:lnB>
+                    <a:solidFill>
+                      <a:schemeClr val="bg1"/>
+                    </a:solidFill>
+                  </a:tcPr>
+                </a:tc>
+                <a:tc>
+                  <a:txBody>
+                    <a:bodyPr/>
+                    <a:lstStyle/>
+                    <a:p>
+                      <a:pPr algn="l"/>
+                      <a:r>
+                        <a:rPr lang="en-US" sz="1200" b="0" smtClean="0">
+                          <a:solidFill>
+                            <a:srgbClr val="0070C0"/>
+                          </a:solidFill>
+                        </a:rPr>
+                        <a:t>Tủ</a:t>
+                      </a:r>
+                      <a:r>
+                        <a:rPr lang="en-US" sz="1200" b="0" baseline="0" smtClean="0">
+                          <a:solidFill>
+                            <a:srgbClr val="0070C0"/>
+                          </a:solidFill>
+                        </a:rPr>
+                        <a:t> để đồ Inox</a:t>
+                      </a:r>
+                      <a:endParaRPr lang="en-US" sz="1200" b="0">
+                        <a:solidFill>
+                          <a:srgbClr val="0070C0"/>
+                        </a:solidFill>
+                      </a:endParaRPr>
+                    </a:p>
+                  </a:txBody>
+                  <a:tcPr anchor="ctr">
+                    <a:lnL w="3175" cap="flat" cmpd="sng" algn="ctr">
+                      <a:solidFill>
+                        <a:schemeClr val="tx1"/>
+                      </a:solidFill>
+                      <a:prstDash val="solid"/>
+                      <a:round/>
+                      <a:headEnd type="none" w="med" len="med"/>
+                      <a:tailEnd type="none" w="med" len="med"/>
+                    </a:lnL>
+                    <a:lnR w="3175" cap="flat" cmpd="sng" algn="ctr">
+                      <a:solidFill>
+                        <a:schemeClr val="tx1"/>
+                      </a:solidFill>
+                      <a:prstDash val="solid"/>
+                      <a:round/>
+                      <a:headEnd type="none" w="med" len="med"/>
+                      <a:tailEnd type="none" w="med" len="med"/>
+                    </a:lnR>
+                    <a:lnT w="3175" cap="flat" cmpd="sng" algn="ctr">
+                      <a:solidFill>
+                        <a:schemeClr val="tx1"/>
+                      </a:solidFill>
+                      <a:prstDash val="solid"/>
+                      <a:round/>
+                      <a:headEnd type="none" w="med" len="med"/>
+                      <a:tailEnd type="none" w="med" len="med"/>
+                    </a:lnT>
+                    <a:lnB w="3175" cap="flat" cmpd="sng" algn="ctr">
+                      <a:solidFill>
+                        <a:schemeClr val="tx1"/>
+                      </a:solidFill>
+                      <a:prstDash val="solid"/>
+                      <a:round/>
+                      <a:headEnd type="none" w="med" len="med"/>
+                      <a:tailEnd type="none" w="med" len="med"/>
+                    </a:lnB>
+                    <a:solidFill>
+                      <a:schemeClr val="bg1"/>
+                    </a:solidFill>
+                  </a:tcPr>
+                </a:tc>
+                <a:extLst>
+                  <a:ext uri="{0D108BD9-81ED-4DB2-BD59-A6C34878D82A}">
+                    <a16:rowId xmlns:a16="http://schemas.microsoft.com/office/drawing/2014/main" val="2006977348"/>
+                  </a:ext>
+                </a:extLst>
+              </a:tr>
+              <a:tr h="309842">
+                <a:tc>
+                  <a:txBody>
+                    <a:bodyPr/>
+                    <a:lstStyle/>
+                    <a:p>
+                      <a:pPr algn="ctr"/>
+                      <a:endParaRPr lang="en-US" sz="1200" b="0">
+                        <a:solidFill>
+                          <a:srgbClr val="0070C0"/>
+                        </a:solidFill>
+                      </a:endParaRPr>
+                    </a:p>
+                  </a:txBody>
+                  <a:tcPr anchor="ctr">
+                    <a:lnL w="3175" cap="flat" cmpd="sng" algn="ctr">
+                      <a:solidFill>
+                        <a:schemeClr val="tx1"/>
+                      </a:solidFill>
+                      <a:prstDash val="solid"/>
+                      <a:round/>
+                      <a:headEnd type="none" w="med" len="med"/>
+                      <a:tailEnd type="none" w="med" len="med"/>
+                    </a:lnL>
+                    <a:lnR w="3175" cap="flat" cmpd="sng" algn="ctr">
+                      <a:solidFill>
+                        <a:schemeClr val="tx1"/>
+                      </a:solidFill>
+                      <a:prstDash val="solid"/>
+                      <a:round/>
+                      <a:headEnd type="none" w="med" len="med"/>
+                      <a:tailEnd type="none" w="med" len="med"/>
+                    </a:lnR>
+                    <a:lnT w="3175" cap="flat" cmpd="sng" algn="ctr">
+                      <a:solidFill>
+                        <a:schemeClr val="tx1"/>
+                      </a:solidFill>
+                      <a:prstDash val="solid"/>
+                      <a:round/>
+                      <a:headEnd type="none" w="med" len="med"/>
+                      <a:tailEnd type="none" w="med" len="med"/>
+                    </a:lnT>
+                    <a:lnB w="3175" cap="flat" cmpd="sng" algn="ctr">
+                      <a:solidFill>
+                        <a:schemeClr val="tx1"/>
+                      </a:solidFill>
+                      <a:prstDash val="solid"/>
+                      <a:round/>
+                      <a:headEnd type="none" w="med" len="med"/>
+                      <a:tailEnd type="none" w="med" len="med"/>
+                    </a:lnB>
+                    <a:solidFill>
+                      <a:schemeClr val="bg1"/>
+                    </a:solidFill>
+                  </a:tcPr>
+                </a:tc>
+                <a:tc>
+                  <a:txBody>
+                    <a:bodyPr/>
+                    <a:lstStyle/>
+                    <a:p>
+                      <a:pPr algn="l"/>
+                      <a:r>
+                        <a:rPr lang="en-US" sz="1200" b="0" smtClean="0">
+                          <a:solidFill>
+                            <a:srgbClr val="0070C0"/>
+                          </a:solidFill>
+                        </a:rPr>
+                        <a:t>Xe</a:t>
+                      </a:r>
+                      <a:r>
+                        <a:rPr lang="en-US" sz="1200" b="0" baseline="0" smtClean="0">
+                          <a:solidFill>
+                            <a:srgbClr val="0070C0"/>
+                          </a:solidFill>
+                        </a:rPr>
+                        <a:t> </a:t>
+                      </a:r>
+                      <a:r>
+                        <a:rPr lang="en-US" sz="1200" b="0" baseline="0" smtClean="0">
+                          <a:solidFill>
+                            <a:srgbClr val="0070C0"/>
+                          </a:solidFill>
+                        </a:rPr>
+                        <a:t>đẩy y tế</a:t>
+                      </a:r>
+                      <a:endParaRPr lang="en-US" sz="1200" b="0">
+                        <a:solidFill>
+                          <a:srgbClr val="0070C0"/>
+                        </a:solidFill>
+                      </a:endParaRPr>
+                    </a:p>
+                  </a:txBody>
+                  <a:tcPr anchor="ctr">
+                    <a:lnL w="3175" cap="flat" cmpd="sng" algn="ctr">
+                      <a:solidFill>
+                        <a:schemeClr val="tx1"/>
+                      </a:solidFill>
+                      <a:prstDash val="solid"/>
+                      <a:round/>
+                      <a:headEnd type="none" w="med" len="med"/>
+                      <a:tailEnd type="none" w="med" len="med"/>
+                    </a:lnL>
+                    <a:lnR w="3175" cap="flat" cmpd="sng" algn="ctr">
+                      <a:solidFill>
+                        <a:schemeClr val="tx1"/>
+                      </a:solidFill>
+                      <a:prstDash val="solid"/>
+                      <a:round/>
+                      <a:headEnd type="none" w="med" len="med"/>
+                      <a:tailEnd type="none" w="med" len="med"/>
+                    </a:lnR>
+                    <a:lnT w="3175" cap="flat" cmpd="sng" algn="ctr">
+                      <a:solidFill>
+                        <a:schemeClr val="tx1"/>
+                      </a:solidFill>
+                      <a:prstDash val="solid"/>
+                      <a:round/>
+                      <a:headEnd type="none" w="med" len="med"/>
+                      <a:tailEnd type="none" w="med" len="med"/>
+                    </a:lnT>
+                    <a:lnB w="3175" cap="flat" cmpd="sng" algn="ctr">
+                      <a:solidFill>
+                        <a:schemeClr val="tx1"/>
+                      </a:solidFill>
+                      <a:prstDash val="solid"/>
+                      <a:round/>
+                      <a:headEnd type="none" w="med" len="med"/>
+                      <a:tailEnd type="none" w="med" len="med"/>
+                    </a:lnB>
+                    <a:solidFill>
+                      <a:schemeClr val="bg1"/>
+                    </a:solidFill>
+                  </a:tcPr>
+                </a:tc>
+                <a:extLst>
+                  <a:ext uri="{0D108BD9-81ED-4DB2-BD59-A6C34878D82A}">
+                    <a16:rowId xmlns:a16="http://schemas.microsoft.com/office/drawing/2014/main" val="2902707197"/>
+                  </a:ext>
+                </a:extLst>
+              </a:tr>
+              <a:tr h="309842">
+                <a:tc>
+                  <a:txBody>
+                    <a:bodyPr/>
+                    <a:lstStyle/>
+                    <a:p>
+                      <a:pPr algn="ctr"/>
+                      <a:r>
+                        <a:rPr lang="en-US" sz="1200" b="0" smtClean="0">
+                          <a:solidFill>
+                            <a:srgbClr val="0070C0"/>
+                          </a:solidFill>
+                        </a:rPr>
+                        <a:t>…….</a:t>
+                      </a:r>
+                      <a:endParaRPr lang="en-US" sz="1200" b="0">
+                        <a:solidFill>
+                          <a:srgbClr val="0070C0"/>
+                        </a:solidFill>
+                      </a:endParaRPr>
+                    </a:p>
+                  </a:txBody>
+                  <a:tcPr anchor="ctr">
+                    <a:lnL w="3175" cap="flat" cmpd="sng" algn="ctr">
+                      <a:solidFill>
+                        <a:schemeClr val="tx1"/>
+                      </a:solidFill>
+                      <a:prstDash val="solid"/>
+                      <a:round/>
+                      <a:headEnd type="none" w="med" len="med"/>
+                      <a:tailEnd type="none" w="med" len="med"/>
+                    </a:lnL>
+                    <a:lnR w="3175" cap="flat" cmpd="sng" algn="ctr">
+                      <a:solidFill>
+                        <a:schemeClr val="tx1"/>
+                      </a:solidFill>
+                      <a:prstDash val="solid"/>
+                      <a:round/>
+                      <a:headEnd type="none" w="med" len="med"/>
+                      <a:tailEnd type="none" w="med" len="med"/>
+                    </a:lnR>
+                    <a:lnT w="3175" cap="flat" cmpd="sng" algn="ctr">
+                      <a:solidFill>
+                        <a:schemeClr val="tx1"/>
+                      </a:solidFill>
+                      <a:prstDash val="solid"/>
+                      <a:round/>
+                      <a:headEnd type="none" w="med" len="med"/>
+                      <a:tailEnd type="none" w="med" len="med"/>
+                    </a:lnT>
+                    <a:lnB w="3175" cap="flat" cmpd="sng" algn="ctr">
+                      <a:solidFill>
+                        <a:schemeClr val="tx1"/>
+                      </a:solidFill>
+                      <a:prstDash val="solid"/>
+                      <a:round/>
+                      <a:headEnd type="none" w="med" len="med"/>
+                      <a:tailEnd type="none" w="med" len="med"/>
+                    </a:lnB>
+                    <a:solidFill>
+                      <a:schemeClr val="bg1"/>
+                    </a:solidFill>
+                  </a:tcPr>
+                </a:tc>
+                <a:tc>
+                  <a:txBody>
+                    <a:bodyPr/>
+                    <a:lstStyle/>
+                    <a:p>
+                      <a:pPr algn="l"/>
+                      <a:r>
+                        <a:rPr lang="en-US" sz="1200" b="0" smtClean="0">
+                          <a:solidFill>
+                            <a:srgbClr val="0070C0"/>
+                          </a:solidFill>
+                        </a:rPr>
+                        <a:t>Và</a:t>
+                      </a:r>
+                      <a:r>
+                        <a:rPr lang="en-US" sz="1200" b="0" baseline="0" smtClean="0">
+                          <a:solidFill>
+                            <a:srgbClr val="0070C0"/>
+                          </a:solidFill>
+                        </a:rPr>
+                        <a:t> rất nhiều sản phẩm #</a:t>
+                      </a:r>
+                      <a:endParaRPr lang="en-US" sz="1200" b="0">
+                        <a:solidFill>
+                          <a:srgbClr val="0070C0"/>
+                        </a:solidFill>
+                      </a:endParaRPr>
+                    </a:p>
+                  </a:txBody>
+                  <a:tcPr anchor="ctr">
+                    <a:lnL w="3175" cap="flat" cmpd="sng" algn="ctr">
+                      <a:solidFill>
+                        <a:schemeClr val="tx1"/>
+                      </a:solidFill>
+                      <a:prstDash val="solid"/>
+                      <a:round/>
+                      <a:headEnd type="none" w="med" len="med"/>
+                      <a:tailEnd type="none" w="med" len="med"/>
+                    </a:lnL>
+                    <a:lnR w="3175" cap="flat" cmpd="sng" algn="ctr">
+                      <a:solidFill>
+                        <a:schemeClr val="tx1"/>
+                      </a:solidFill>
+                      <a:prstDash val="solid"/>
+                      <a:round/>
+                      <a:headEnd type="none" w="med" len="med"/>
+                      <a:tailEnd type="none" w="med" len="med"/>
+                    </a:lnR>
+                    <a:lnT w="3175" cap="flat" cmpd="sng" algn="ctr">
+                      <a:solidFill>
+                        <a:schemeClr val="tx1"/>
+                      </a:solidFill>
+                      <a:prstDash val="solid"/>
+                      <a:round/>
+                      <a:headEnd type="none" w="med" len="med"/>
+                      <a:tailEnd type="none" w="med" len="med"/>
+                    </a:lnT>
+                    <a:lnB w="3175" cap="flat" cmpd="sng" algn="ctr">
+                      <a:solidFill>
+                        <a:schemeClr val="tx1"/>
+                      </a:solidFill>
+                      <a:prstDash val="solid"/>
+                      <a:round/>
+                      <a:headEnd type="none" w="med" len="med"/>
+                      <a:tailEnd type="none" w="med" len="med"/>
+                    </a:lnB>
+                    <a:solidFill>
+                      <a:schemeClr val="bg1"/>
+                    </a:solidFill>
+                  </a:tcPr>
+                </a:tc>
+                <a:extLst>
+                  <a:ext uri="{0D108BD9-81ED-4DB2-BD59-A6C34878D82A}">
+                    <a16:rowId xmlns:a16="http://schemas.microsoft.com/office/drawing/2014/main" val="1241572762"/>
+                  </a:ext>
+                </a:extLst>
+              </a:tr>
+            </a:tbl>
+          </a:graphicData>
+        </a:graphic>
+      </p:graphicFrame>
+      <p:pic>
+        <p:nvPicPr>
+          <p:cNvPr id="17" name="Picture 16"/>
+          <p:cNvPicPr>
+            <a:picLocks noChangeAspect="1"/>
+          </p:cNvPicPr>
+          <p:nvPr/>
+        </p:nvPicPr>
+        <p:blipFill>
+          <a:blip r:embed="rId8" cstate="print">
+            <a:extLst>
+              <a:ext uri="{28A0092B-C50C-407E-A947-70E740481C1C}">
+                <a14:useLocalDpi xmlns:a14="http://schemas.microsoft.com/office/drawing/2010/main" val="0"/>
+              </a:ext>
+            </a:extLst>
+          </a:blip>
+          <a:stretch>
+            <a:fillRect/>
+          </a:stretch>
+        </p:blipFill>
+        <p:spPr>
+          <a:xfrm>
+            <a:off x="3159457" y="1336678"/>
+            <a:ext cx="317169" cy="280635"/>
+          </a:xfrm>
+          <a:prstGeom prst="rect">
+            <a:avLst/>
+          </a:prstGeom>
+        </p:spPr>
+      </p:pic>
+      <p:pic>
+        <p:nvPicPr>
+          <p:cNvPr id="18" name="Picture 17"/>
+          <p:cNvPicPr>
+            <a:picLocks noChangeAspect="1"/>
+          </p:cNvPicPr>
+          <p:nvPr/>
+        </p:nvPicPr>
+        <p:blipFill>
+          <a:blip r:embed="rId9" cstate="print">
+            <a:extLst>
+              <a:ext uri="{28A0092B-C50C-407E-A947-70E740481C1C}">
+                <a14:useLocalDpi xmlns:a14="http://schemas.microsoft.com/office/drawing/2010/main" val="0"/>
+              </a:ext>
+            </a:extLst>
+          </a:blip>
+          <a:stretch>
+            <a:fillRect/>
+          </a:stretch>
+        </p:blipFill>
+        <p:spPr>
+          <a:xfrm>
+            <a:off x="3159457" y="1678906"/>
+            <a:ext cx="317169" cy="211867"/>
+          </a:xfrm>
+          <a:prstGeom prst="rect">
+            <a:avLst/>
+          </a:prstGeom>
+        </p:spPr>
+      </p:pic>
+      <p:pic>
+        <p:nvPicPr>
+          <p:cNvPr id="19" name="Picture 18"/>
+          <p:cNvPicPr>
+            <a:picLocks noChangeAspect="1"/>
+          </p:cNvPicPr>
+          <p:nvPr/>
+        </p:nvPicPr>
+        <p:blipFill>
+          <a:blip r:embed="rId10" cstate="print">
+            <a:extLst>
+              <a:ext uri="{28A0092B-C50C-407E-A947-70E740481C1C}">
+                <a14:useLocalDpi xmlns:a14="http://schemas.microsoft.com/office/drawing/2010/main" val="0"/>
+              </a:ext>
+            </a:extLst>
+          </a:blip>
+          <a:stretch>
+            <a:fillRect/>
+          </a:stretch>
+        </p:blipFill>
+        <p:spPr>
+          <a:xfrm>
+            <a:off x="3192793" y="1953197"/>
+            <a:ext cx="250494" cy="227691"/>
+          </a:xfrm>
+          <a:prstGeom prst="rect">
+            <a:avLst/>
+          </a:prstGeom>
+        </p:spPr>
+      </p:pic>
+      <p:pic>
+        <p:nvPicPr>
+          <p:cNvPr id="20" name="Picture 19"/>
+          <p:cNvPicPr>
+            <a:picLocks noChangeAspect="1"/>
+          </p:cNvPicPr>
+          <p:nvPr/>
+        </p:nvPicPr>
+        <p:blipFill>
+          <a:blip r:embed="rId11" cstate="print">
+            <a:extLst>
+              <a:ext uri="{28A0092B-C50C-407E-A947-70E740481C1C}">
+                <a14:useLocalDpi xmlns:a14="http://schemas.microsoft.com/office/drawing/2010/main" val="0"/>
+              </a:ext>
+            </a:extLst>
+          </a:blip>
+          <a:stretch>
+            <a:fillRect/>
+          </a:stretch>
+        </p:blipFill>
+        <p:spPr>
+          <a:xfrm>
+            <a:off x="3156122" y="2276852"/>
+            <a:ext cx="323835" cy="247326"/>
+          </a:xfrm>
+          <a:prstGeom prst="rect">
+            <a:avLst/>
+          </a:prstGeom>
+        </p:spPr>
+      </p:pic>
+    </p:spTree>
+    <p:extLst>
+      <p:ext uri="{BB962C8B-B14F-4D97-AF65-F5344CB8AC3E}">
+        <p14:creationId xmlns:p14="http://schemas.microsoft.com/office/powerpoint/2010/main" val="3060711443"/>
+      </p:ext>
+    </p:extLst>
+  </p:cSld>
+  <p:clrMapOvr>
+    <a:masterClrMapping/>
+  </p:clrMapOvr>
+</p:sld>
+</file>
+
 <file path=ppt/theme/theme1.xml><?xml version="1.0" encoding="utf-8"?>
 <a:theme xmlns:a="http://schemas.openxmlformats.org/drawingml/2006/main" name="Office Theme">
   <a:themeElements>
